--- a/Slides/2023-ML@MGI-Week03-imp.pptx
+++ b/Slides/2023-ML@MGI-Week03-imp.pptx
@@ -135,50 +135,6 @@
     </p:ext>
   </p:extLst>
 </p:presentation>
-</file>
-
-<file path=ppt/changesInfos/changesInfo1.xml><?xml version="1.0" encoding="utf-8"?>
-<pc:chgInfo xmlns:a="http://schemas.openxmlformats.org/drawingml/2006/main" xmlns:r="http://schemas.openxmlformats.org/officeDocument/2006/relationships" xmlns:ac="http://schemas.microsoft.com/office/drawing/2013/main/command" xmlns:pc="http://schemas.microsoft.com/office/powerpoint/2013/main/command">
-  <pc:docChgLst>
-    <pc:chgData name="李玟頡" userId="499b2c5b-21ba-4e0d-9a4f-4c09e82c3ee1" providerId="ADAL" clId="{B24E3FFC-19A2-4873-A1B5-11DAF62148C5}"/>
-    <pc:docChg chg="modSld">
-      <pc:chgData name="李玟頡" userId="499b2c5b-21ba-4e0d-9a4f-4c09e82c3ee1" providerId="ADAL" clId="{B24E3FFC-19A2-4873-A1B5-11DAF62148C5}" dt="2024-02-27T07:19:41.862" v="14" actId="115"/>
-      <pc:docMkLst>
-        <pc:docMk/>
-      </pc:docMkLst>
-      <pc:sldChg chg="modSp mod">
-        <pc:chgData name="李玟頡" userId="499b2c5b-21ba-4e0d-9a4f-4c09e82c3ee1" providerId="ADAL" clId="{B24E3FFC-19A2-4873-A1B5-11DAF62148C5}" dt="2024-02-27T02:43:54.759" v="6" actId="20577"/>
-        <pc:sldMkLst>
-          <pc:docMk/>
-          <pc:sldMk cId="701545385" sldId="310"/>
-        </pc:sldMkLst>
-        <pc:spChg chg="mod">
-          <ac:chgData name="李玟頡" userId="499b2c5b-21ba-4e0d-9a4f-4c09e82c3ee1" providerId="ADAL" clId="{B24E3FFC-19A2-4873-A1B5-11DAF62148C5}" dt="2024-02-27T02:43:54.759" v="6" actId="20577"/>
-          <ac:spMkLst>
-            <pc:docMk/>
-            <pc:sldMk cId="701545385" sldId="310"/>
-            <ac:spMk id="4" creationId="{00000000-0000-0000-0000-000000000000}"/>
-          </ac:spMkLst>
-        </pc:spChg>
-      </pc:sldChg>
-      <pc:sldChg chg="modSp mod">
-        <pc:chgData name="李玟頡" userId="499b2c5b-21ba-4e0d-9a4f-4c09e82c3ee1" providerId="ADAL" clId="{B24E3FFC-19A2-4873-A1B5-11DAF62148C5}" dt="2024-02-27T07:19:41.862" v="14" actId="115"/>
-        <pc:sldMkLst>
-          <pc:docMk/>
-          <pc:sldMk cId="3496700174" sldId="325"/>
-        </pc:sldMkLst>
-        <pc:spChg chg="mod">
-          <ac:chgData name="李玟頡" userId="499b2c5b-21ba-4e0d-9a4f-4c09e82c3ee1" providerId="ADAL" clId="{B24E3FFC-19A2-4873-A1B5-11DAF62148C5}" dt="2024-02-27T07:19:41.862" v="14" actId="115"/>
-          <ac:spMkLst>
-            <pc:docMk/>
-            <pc:sldMk cId="3496700174" sldId="325"/>
-            <ac:spMk id="3" creationId="{7162126D-44B5-F8F4-EA3E-97D404A4BC47}"/>
-          </ac:spMkLst>
-        </pc:spChg>
-      </pc:sldChg>
-    </pc:docChg>
-  </pc:docChgLst>
-</pc:chgInfo>
 </file>
 
 <file path=ppt/notesMasters/notesMaster1.xml><?xml version="1.0" encoding="utf-8"?>
@@ -11648,7 +11604,7 @@
             <a:r>
               <a:rPr lang="en-US" altLang="zh-TW" sz="2400" dirty="0">
                 <a:solidFill>
-                  <a:srgbClr val="FF0000"/>
+                  <a:schemeClr val="tx1"/>
                 </a:solidFill>
               </a:rPr>
               <a:t>check-out </a:t>
@@ -11656,7 +11612,7 @@
             <a:r>
               <a:rPr lang="zh-TW" altLang="en-US" sz="2400" dirty="0">
                 <a:solidFill>
-                  <a:srgbClr val="FF0000"/>
+                  <a:schemeClr val="tx1"/>
                 </a:solidFill>
               </a:rPr>
               <a:t>既有的</a:t>
@@ -11664,7 +11620,7 @@
             <a:r>
               <a:rPr lang="en-US" altLang="zh-TW" sz="2400" dirty="0">
                 <a:solidFill>
-                  <a:srgbClr val="FF0000"/>
+                  <a:schemeClr val="tx1"/>
                 </a:solidFill>
               </a:rPr>
               <a:t>branch</a:t>
@@ -11699,14 +11655,14 @@
             <a:r>
               <a:rPr lang="zh-TW" altLang="en-US" sz="2400" dirty="0">
                 <a:solidFill>
-                  <a:srgbClr val="FF0000"/>
+                  <a:schemeClr val="tx1"/>
                 </a:solidFill>
               </a:rPr>
               <a:t>開始程式編譯或文件編譯</a:t>
             </a:r>
             <a:endParaRPr lang="en-US" altLang="zh-TW" sz="2400" dirty="0">
               <a:solidFill>
-                <a:srgbClr val="FF0000"/>
+                <a:schemeClr val="tx1"/>
               </a:solidFill>
             </a:endParaRPr>
           </a:p>
@@ -11960,45 +11916,6 @@
               <a:effectLst/>
               <a:latin typeface="Söhne"/>
             </a:endParaRPr>
-          </a:p>
-        </p:txBody>
-      </p:sp>
-      <p:sp>
-        <p:nvSpPr>
-          <p:cNvPr id="9" name="文字方塊 8">
-            <a:extLst>
-              <a:ext uri="{FF2B5EF4-FFF2-40B4-BE49-F238E27FC236}">
-                <a16:creationId xmlns:a16="http://schemas.microsoft.com/office/drawing/2014/main" id="{B8D763CD-60F8-F8A3-1B28-A78221DB1699}"/>
-              </a:ext>
-            </a:extLst>
-          </p:cNvPr>
-          <p:cNvSpPr txBox="1"/>
-          <p:nvPr/>
-        </p:nvSpPr>
-        <p:spPr>
-          <a:xfrm>
-            <a:off x="5468193" y="2728467"/>
-            <a:ext cx="6097348" cy="369332"/>
-          </a:xfrm>
-          <a:prstGeom prst="rect">
-            <a:avLst/>
-          </a:prstGeom>
-          <a:noFill/>
-        </p:spPr>
-        <p:txBody>
-          <a:bodyPr wrap="square">
-            <a:spAutoFit/>
-          </a:bodyPr>
-          <a:lstStyle/>
-          <a:p>
-            <a:r>
-              <a:rPr lang="zh-TW" altLang="en-US" dirty="0">
-                <a:solidFill>
-                  <a:srgbClr val="FF0000"/>
-                </a:solidFill>
-              </a:rPr>
-              <a:t>順序不能變</a:t>
-            </a:r>
           </a:p>
         </p:txBody>
       </p:sp>
